--- a/CREDIT CARD DEFAULTERS CLASSIFICATION.pptx
+++ b/CREDIT CARD DEFAULTERS CLASSIFICATION.pptx
@@ -225,7 +225,7 @@
             <a:pPr rtl="0"/>
             <a:fld id="{D02922BF-03A7-4155-9C64-EAEFB99D668C}" type="datetime1">
               <a:rPr lang="it-IT" smtClean="0"/>
-              <a:t>05/09/2022</a:t>
+              <a:t>12/09/2022</a:t>
             </a:fld>
             <a:endParaRPr lang="en-US" dirty="0"/>
           </a:p>
@@ -293,7 +293,7 @@
             <a:pPr rtl="0"/>
             <a:fld id="{A975D426-A9DD-4244-A2CE-1FB6623742C7}" type="slidenum">
               <a:rPr lang="en-US" smtClean="0"/>
-              <a:t>‹N›</a:t>
+              <a:t>‹#›</a:t>
             </a:fld>
             <a:endParaRPr lang="en-US"/>
           </a:p>
@@ -395,7 +395,7 @@
             <a:pPr rtl="0"/>
             <a:fld id="{C01A2E3D-568C-45C7-A092-5A51662F8E0F}" type="datetime1">
               <a:rPr lang="it-IT" smtClean="0"/>
-              <a:t>04/09/2022</a:t>
+              <a:t>12/09/2022</a:t>
             </a:fld>
             <a:endParaRPr lang="en-US"/>
           </a:p>
@@ -558,7 +558,7 @@
             <a:pPr rtl="0"/>
             <a:fld id="{01B41D33-19C8-4450-B3C5-BE83E9C8F0BC}" type="slidenum">
               <a:rPr lang="en-US" smtClean="0"/>
-              <a:t>‹N›</a:t>
+              <a:t>‹#›</a:t>
             </a:fld>
             <a:endParaRPr lang="en-US"/>
           </a:p>
@@ -666,6 +666,442 @@
     </a:lvl9pPr>
   </p:notesStyle>
 </p:notesMaster>
+</file>
+
+<file path=ppt/notesSlides/notesSlide1.xml><?xml version="1.0" encoding="utf-8"?>
+<p:notes xmlns:a="http://schemas.openxmlformats.org/drawingml/2006/main" xmlns:r="http://schemas.openxmlformats.org/officeDocument/2006/relationships" xmlns:p="http://schemas.openxmlformats.org/presentationml/2006/main">
+  <p:cSld>
+    <p:spTree>
+      <p:nvGrpSpPr>
+        <p:cNvPr id="1" name=""/>
+        <p:cNvGrpSpPr/>
+        <p:nvPr/>
+      </p:nvGrpSpPr>
+      <p:grpSpPr>
+        <a:xfrm>
+          <a:off x="0" y="0"/>
+          <a:ext cx="0" cy="0"/>
+          <a:chOff x="0" y="0"/>
+          <a:chExt cx="0" cy="0"/>
+        </a:xfrm>
+      </p:grpSpPr>
+      <p:sp>
+        <p:nvSpPr>
+          <p:cNvPr id="2" name="Slide Image Placeholder 1"/>
+          <p:cNvSpPr>
+            <a:spLocks noGrp="1" noRot="1" noChangeAspect="1"/>
+          </p:cNvSpPr>
+          <p:nvPr>
+            <p:ph type="sldImg"/>
+          </p:nvPr>
+        </p:nvSpPr>
+        <p:spPr/>
+      </p:sp>
+      <p:sp>
+        <p:nvSpPr>
+          <p:cNvPr id="3" name="Notes Placeholder 2"/>
+          <p:cNvSpPr>
+            <a:spLocks noGrp="1"/>
+          </p:cNvSpPr>
+          <p:nvPr>
+            <p:ph type="body" idx="1"/>
+          </p:nvPr>
+        </p:nvSpPr>
+        <p:spPr/>
+        <p:txBody>
+          <a:bodyPr/>
+          <a:lstStyle/>
+          <a:p>
+            <a:endParaRPr lang="it-IT" dirty="0"/>
+          </a:p>
+        </p:txBody>
+      </p:sp>
+      <p:sp>
+        <p:nvSpPr>
+          <p:cNvPr id="4" name="Date Placeholder 3"/>
+          <p:cNvSpPr>
+            <a:spLocks noGrp="1"/>
+          </p:cNvSpPr>
+          <p:nvPr>
+            <p:ph type="dt" idx="1"/>
+          </p:nvPr>
+        </p:nvSpPr>
+        <p:spPr/>
+        <p:txBody>
+          <a:bodyPr/>
+          <a:lstStyle/>
+          <a:p>
+            <a:pPr rtl="0"/>
+            <a:fld id="{C01A2E3D-568C-45C7-A092-5A51662F8E0F}" type="datetime1">
+              <a:rPr lang="it-IT" smtClean="0"/>
+              <a:t>12/09/2022</a:t>
+            </a:fld>
+            <a:endParaRPr lang="en-US"/>
+          </a:p>
+        </p:txBody>
+      </p:sp>
+      <p:sp>
+        <p:nvSpPr>
+          <p:cNvPr id="5" name="Slide Number Placeholder 4"/>
+          <p:cNvSpPr>
+            <a:spLocks noGrp="1"/>
+          </p:cNvSpPr>
+          <p:nvPr>
+            <p:ph type="sldNum" sz="quarter" idx="5"/>
+          </p:nvPr>
+        </p:nvSpPr>
+        <p:spPr/>
+        <p:txBody>
+          <a:bodyPr/>
+          <a:lstStyle/>
+          <a:p>
+            <a:pPr rtl="0"/>
+            <a:fld id="{01B41D33-19C8-4450-B3C5-BE83E9C8F0BC}" type="slidenum">
+              <a:rPr lang="en-US" smtClean="0"/>
+              <a:t>1</a:t>
+            </a:fld>
+            <a:endParaRPr lang="en-US"/>
+          </a:p>
+        </p:txBody>
+      </p:sp>
+    </p:spTree>
+    <p:extLst>
+      <p:ext uri="{BB962C8B-B14F-4D97-AF65-F5344CB8AC3E}">
+        <p14:creationId xmlns:p14="http://schemas.microsoft.com/office/powerpoint/2010/main" val="893688388"/>
+      </p:ext>
+    </p:extLst>
+  </p:cSld>
+  <p:clrMapOvr>
+    <a:masterClrMapping/>
+  </p:clrMapOvr>
+</p:notes>
+</file>
+
+<file path=ppt/notesSlides/notesSlide2.xml><?xml version="1.0" encoding="utf-8"?>
+<p:notes xmlns:a="http://schemas.openxmlformats.org/drawingml/2006/main" xmlns:r="http://schemas.openxmlformats.org/officeDocument/2006/relationships" xmlns:p="http://schemas.openxmlformats.org/presentationml/2006/main">
+  <p:cSld>
+    <p:spTree>
+      <p:nvGrpSpPr>
+        <p:cNvPr id="1" name=""/>
+        <p:cNvGrpSpPr/>
+        <p:nvPr/>
+      </p:nvGrpSpPr>
+      <p:grpSpPr>
+        <a:xfrm>
+          <a:off x="0" y="0"/>
+          <a:ext cx="0" cy="0"/>
+          <a:chOff x="0" y="0"/>
+          <a:chExt cx="0" cy="0"/>
+        </a:xfrm>
+      </p:grpSpPr>
+      <p:sp>
+        <p:nvSpPr>
+          <p:cNvPr id="2" name="Slide Image Placeholder 1"/>
+          <p:cNvSpPr>
+            <a:spLocks noGrp="1" noRot="1" noChangeAspect="1"/>
+          </p:cNvSpPr>
+          <p:nvPr>
+            <p:ph type="sldImg"/>
+          </p:nvPr>
+        </p:nvSpPr>
+        <p:spPr/>
+      </p:sp>
+      <p:sp>
+        <p:nvSpPr>
+          <p:cNvPr id="3" name="Notes Placeholder 2"/>
+          <p:cNvSpPr>
+            <a:spLocks noGrp="1"/>
+          </p:cNvSpPr>
+          <p:nvPr>
+            <p:ph type="body" idx="1"/>
+          </p:nvPr>
+        </p:nvSpPr>
+        <p:spPr/>
+        <p:txBody>
+          <a:bodyPr/>
+          <a:lstStyle/>
+          <a:p>
+            <a:endParaRPr lang="it-IT" dirty="0"/>
+          </a:p>
+        </p:txBody>
+      </p:sp>
+      <p:sp>
+        <p:nvSpPr>
+          <p:cNvPr id="4" name="Date Placeholder 3"/>
+          <p:cNvSpPr>
+            <a:spLocks noGrp="1"/>
+          </p:cNvSpPr>
+          <p:nvPr>
+            <p:ph type="dt" idx="1"/>
+          </p:nvPr>
+        </p:nvSpPr>
+        <p:spPr/>
+        <p:txBody>
+          <a:bodyPr/>
+          <a:lstStyle/>
+          <a:p>
+            <a:pPr rtl="0"/>
+            <a:fld id="{C01A2E3D-568C-45C7-A092-5A51662F8E0F}" type="datetime1">
+              <a:rPr lang="it-IT" smtClean="0"/>
+              <a:t>12/09/2022</a:t>
+            </a:fld>
+            <a:endParaRPr lang="en-US"/>
+          </a:p>
+        </p:txBody>
+      </p:sp>
+      <p:sp>
+        <p:nvSpPr>
+          <p:cNvPr id="5" name="Slide Number Placeholder 4"/>
+          <p:cNvSpPr>
+            <a:spLocks noGrp="1"/>
+          </p:cNvSpPr>
+          <p:nvPr>
+            <p:ph type="sldNum" sz="quarter" idx="5"/>
+          </p:nvPr>
+        </p:nvSpPr>
+        <p:spPr/>
+        <p:txBody>
+          <a:bodyPr/>
+          <a:lstStyle/>
+          <a:p>
+            <a:pPr rtl="0"/>
+            <a:fld id="{01B41D33-19C8-4450-B3C5-BE83E9C8F0BC}" type="slidenum">
+              <a:rPr lang="en-US" smtClean="0"/>
+              <a:t>3</a:t>
+            </a:fld>
+            <a:endParaRPr lang="en-US"/>
+          </a:p>
+        </p:txBody>
+      </p:sp>
+    </p:spTree>
+    <p:extLst>
+      <p:ext uri="{BB962C8B-B14F-4D97-AF65-F5344CB8AC3E}">
+        <p14:creationId xmlns:p14="http://schemas.microsoft.com/office/powerpoint/2010/main" val="1170566963"/>
+      </p:ext>
+    </p:extLst>
+  </p:cSld>
+  <p:clrMapOvr>
+    <a:masterClrMapping/>
+  </p:clrMapOvr>
+</p:notes>
+</file>
+
+<file path=ppt/notesSlides/notesSlide3.xml><?xml version="1.0" encoding="utf-8"?>
+<p:notes xmlns:a="http://schemas.openxmlformats.org/drawingml/2006/main" xmlns:r="http://schemas.openxmlformats.org/officeDocument/2006/relationships" xmlns:p="http://schemas.openxmlformats.org/presentationml/2006/main">
+  <p:cSld>
+    <p:spTree>
+      <p:nvGrpSpPr>
+        <p:cNvPr id="1" name=""/>
+        <p:cNvGrpSpPr/>
+        <p:nvPr/>
+      </p:nvGrpSpPr>
+      <p:grpSpPr>
+        <a:xfrm>
+          <a:off x="0" y="0"/>
+          <a:ext cx="0" cy="0"/>
+          <a:chOff x="0" y="0"/>
+          <a:chExt cx="0" cy="0"/>
+        </a:xfrm>
+      </p:grpSpPr>
+      <p:sp>
+        <p:nvSpPr>
+          <p:cNvPr id="2" name="Slide Image Placeholder 1"/>
+          <p:cNvSpPr>
+            <a:spLocks noGrp="1" noRot="1" noChangeAspect="1"/>
+          </p:cNvSpPr>
+          <p:nvPr>
+            <p:ph type="sldImg"/>
+          </p:nvPr>
+        </p:nvSpPr>
+        <p:spPr/>
+      </p:sp>
+      <p:sp>
+        <p:nvSpPr>
+          <p:cNvPr id="3" name="Notes Placeholder 2"/>
+          <p:cNvSpPr>
+            <a:spLocks noGrp="1"/>
+          </p:cNvSpPr>
+          <p:nvPr>
+            <p:ph type="body" idx="1"/>
+          </p:nvPr>
+        </p:nvSpPr>
+        <p:spPr/>
+        <p:txBody>
+          <a:bodyPr/>
+          <a:lstStyle/>
+          <a:p>
+            <a:endParaRPr lang="it-IT" dirty="0"/>
+          </a:p>
+        </p:txBody>
+      </p:sp>
+      <p:sp>
+        <p:nvSpPr>
+          <p:cNvPr id="4" name="Date Placeholder 3"/>
+          <p:cNvSpPr>
+            <a:spLocks noGrp="1"/>
+          </p:cNvSpPr>
+          <p:nvPr>
+            <p:ph type="dt" idx="1"/>
+          </p:nvPr>
+        </p:nvSpPr>
+        <p:spPr/>
+        <p:txBody>
+          <a:bodyPr/>
+          <a:lstStyle/>
+          <a:p>
+            <a:pPr rtl="0"/>
+            <a:fld id="{C01A2E3D-568C-45C7-A092-5A51662F8E0F}" type="datetime1">
+              <a:rPr lang="it-IT" smtClean="0"/>
+              <a:t>12/09/2022</a:t>
+            </a:fld>
+            <a:endParaRPr lang="en-US"/>
+          </a:p>
+        </p:txBody>
+      </p:sp>
+      <p:sp>
+        <p:nvSpPr>
+          <p:cNvPr id="5" name="Slide Number Placeholder 4"/>
+          <p:cNvSpPr>
+            <a:spLocks noGrp="1"/>
+          </p:cNvSpPr>
+          <p:nvPr>
+            <p:ph type="sldNum" sz="quarter" idx="5"/>
+          </p:nvPr>
+        </p:nvSpPr>
+        <p:spPr/>
+        <p:txBody>
+          <a:bodyPr/>
+          <a:lstStyle/>
+          <a:p>
+            <a:pPr rtl="0"/>
+            <a:fld id="{01B41D33-19C8-4450-B3C5-BE83E9C8F0BC}" type="slidenum">
+              <a:rPr lang="en-US" smtClean="0"/>
+              <a:t>4</a:t>
+            </a:fld>
+            <a:endParaRPr lang="en-US"/>
+          </a:p>
+        </p:txBody>
+      </p:sp>
+    </p:spTree>
+    <p:extLst>
+      <p:ext uri="{BB962C8B-B14F-4D97-AF65-F5344CB8AC3E}">
+        <p14:creationId xmlns:p14="http://schemas.microsoft.com/office/powerpoint/2010/main" val="1719587634"/>
+      </p:ext>
+    </p:extLst>
+  </p:cSld>
+  <p:clrMapOvr>
+    <a:masterClrMapping/>
+  </p:clrMapOvr>
+</p:notes>
+</file>
+
+<file path=ppt/notesSlides/notesSlide4.xml><?xml version="1.0" encoding="utf-8"?>
+<p:notes xmlns:a="http://schemas.openxmlformats.org/drawingml/2006/main" xmlns:r="http://schemas.openxmlformats.org/officeDocument/2006/relationships" xmlns:p="http://schemas.openxmlformats.org/presentationml/2006/main">
+  <p:cSld>
+    <p:spTree>
+      <p:nvGrpSpPr>
+        <p:cNvPr id="1" name=""/>
+        <p:cNvGrpSpPr/>
+        <p:nvPr/>
+      </p:nvGrpSpPr>
+      <p:grpSpPr>
+        <a:xfrm>
+          <a:off x="0" y="0"/>
+          <a:ext cx="0" cy="0"/>
+          <a:chOff x="0" y="0"/>
+          <a:chExt cx="0" cy="0"/>
+        </a:xfrm>
+      </p:grpSpPr>
+      <p:sp>
+        <p:nvSpPr>
+          <p:cNvPr id="2" name="Slide Image Placeholder 1"/>
+          <p:cNvSpPr>
+            <a:spLocks noGrp="1" noRot="1" noChangeAspect="1"/>
+          </p:cNvSpPr>
+          <p:nvPr>
+            <p:ph type="sldImg"/>
+          </p:nvPr>
+        </p:nvSpPr>
+        <p:spPr/>
+      </p:sp>
+      <p:sp>
+        <p:nvSpPr>
+          <p:cNvPr id="3" name="Notes Placeholder 2"/>
+          <p:cNvSpPr>
+            <a:spLocks noGrp="1"/>
+          </p:cNvSpPr>
+          <p:nvPr>
+            <p:ph type="body" idx="1"/>
+          </p:nvPr>
+        </p:nvSpPr>
+        <p:spPr/>
+        <p:txBody>
+          <a:bodyPr/>
+          <a:lstStyle/>
+          <a:p>
+            <a:endParaRPr lang="it-IT" dirty="0"/>
+          </a:p>
+        </p:txBody>
+      </p:sp>
+      <p:sp>
+        <p:nvSpPr>
+          <p:cNvPr id="4" name="Date Placeholder 3"/>
+          <p:cNvSpPr>
+            <a:spLocks noGrp="1"/>
+          </p:cNvSpPr>
+          <p:nvPr>
+            <p:ph type="dt" idx="1"/>
+          </p:nvPr>
+        </p:nvSpPr>
+        <p:spPr/>
+        <p:txBody>
+          <a:bodyPr/>
+          <a:lstStyle/>
+          <a:p>
+            <a:pPr rtl="0"/>
+            <a:fld id="{C01A2E3D-568C-45C7-A092-5A51662F8E0F}" type="datetime1">
+              <a:rPr lang="it-IT" smtClean="0"/>
+              <a:t>12/09/2022</a:t>
+            </a:fld>
+            <a:endParaRPr lang="en-US"/>
+          </a:p>
+        </p:txBody>
+      </p:sp>
+      <p:sp>
+        <p:nvSpPr>
+          <p:cNvPr id="5" name="Slide Number Placeholder 4"/>
+          <p:cNvSpPr>
+            <a:spLocks noGrp="1"/>
+          </p:cNvSpPr>
+          <p:nvPr>
+            <p:ph type="sldNum" sz="quarter" idx="5"/>
+          </p:nvPr>
+        </p:nvSpPr>
+        <p:spPr/>
+        <p:txBody>
+          <a:bodyPr/>
+          <a:lstStyle/>
+          <a:p>
+            <a:pPr rtl="0"/>
+            <a:fld id="{01B41D33-19C8-4450-B3C5-BE83E9C8F0BC}" type="slidenum">
+              <a:rPr lang="en-US" smtClean="0"/>
+              <a:t>5</a:t>
+            </a:fld>
+            <a:endParaRPr lang="en-US"/>
+          </a:p>
+        </p:txBody>
+      </p:sp>
+    </p:spTree>
+    <p:extLst>
+      <p:ext uri="{BB962C8B-B14F-4D97-AF65-F5344CB8AC3E}">
+        <p14:creationId xmlns:p14="http://schemas.microsoft.com/office/powerpoint/2010/main" val="173085693"/>
+      </p:ext>
+    </p:extLst>
+  </p:cSld>
+  <p:clrMapOvr>
+    <a:masterClrMapping/>
+  </p:clrMapOvr>
+</p:notes>
 </file>
 
 <file path=ppt/slideLayouts/slideLayout1.xml><?xml version="1.0" encoding="utf-8"?>
@@ -909,7 +1345,7 @@
             <a:pPr rtl="0"/>
             <a:fld id="{46DB283D-9450-4DC4-B9A5-67A2070946B1}" type="datetime1">
               <a:rPr lang="it-IT" smtClean="0"/>
-              <a:t>04/09/2022</a:t>
+              <a:t>12/09/2022</a:t>
             </a:fld>
             <a:endParaRPr lang="en-US" dirty="0"/>
           </a:p>
@@ -965,7 +1401,7 @@
             <a:pPr rtl="0"/>
             <a:fld id="{3A98EE3D-8CD1-4C3F-BD1C-C98C9596463C}" type="slidenum">
               <a:rPr lang="en-US" smtClean="0"/>
-              <a:t>‹N›</a:t>
+              <a:t>‹#›</a:t>
             </a:fld>
             <a:endParaRPr lang="en-US" dirty="0"/>
           </a:p>
@@ -1116,7 +1552,7 @@
             <a:pPr rtl="0"/>
             <a:fld id="{B5A54735-7CDA-4134-8773-0DFB4CA08DF9}" type="datetime1">
               <a:rPr lang="it-IT" smtClean="0"/>
-              <a:t>04/09/2022</a:t>
+              <a:t>12/09/2022</a:t>
             </a:fld>
             <a:endParaRPr lang="en-US" dirty="0"/>
           </a:p>
@@ -1160,7 +1596,7 @@
             <a:pPr rtl="0"/>
             <a:fld id="{3A98EE3D-8CD1-4C3F-BD1C-C98C9596463C}" type="slidenum">
               <a:rPr lang="en-US" smtClean="0"/>
-              <a:t>‹N›</a:t>
+              <a:t>‹#›</a:t>
             </a:fld>
             <a:endParaRPr lang="en-US" dirty="0"/>
           </a:p>
@@ -1482,7 +1918,7 @@
             <a:pPr rtl="0"/>
             <a:fld id="{67530C87-62B1-4094-AD93-A58C12C318D3}" type="datetime1">
               <a:rPr lang="it-IT" smtClean="0"/>
-              <a:t>04/09/2022</a:t>
+              <a:t>12/09/2022</a:t>
             </a:fld>
             <a:endParaRPr lang="en-US" dirty="0"/>
           </a:p>
@@ -1538,7 +1974,7 @@
             <a:pPr rtl="0"/>
             <a:fld id="{3A98EE3D-8CD1-4C3F-BD1C-C98C9596463C}" type="slidenum">
               <a:rPr lang="en-US" smtClean="0"/>
-              <a:t>‹N›</a:t>
+              <a:t>‹#›</a:t>
             </a:fld>
             <a:endParaRPr lang="en-US" dirty="0"/>
           </a:p>
@@ -1684,7 +2120,7 @@
             <a:pPr rtl="0"/>
             <a:fld id="{72951BCE-4520-401A-9433-DA1CF0A68848}" type="datetime1">
               <a:rPr lang="it-IT" smtClean="0"/>
-              <a:t>04/09/2022</a:t>
+              <a:t>12/09/2022</a:t>
             </a:fld>
             <a:endParaRPr lang="en-US" dirty="0"/>
           </a:p>
@@ -1740,7 +2176,7 @@
             <a:pPr rtl="0"/>
             <a:fld id="{3A98EE3D-8CD1-4C3F-BD1C-C98C9596463C}" type="slidenum">
               <a:rPr lang="en-US" smtClean="0"/>
-              <a:t>‹N›</a:t>
+              <a:t>‹#›</a:t>
             </a:fld>
             <a:endParaRPr lang="en-US" dirty="0"/>
           </a:p>
@@ -2000,7 +2436,7 @@
             <a:pPr rtl="0"/>
             <a:fld id="{F7101911-1A9E-416C-B420-DBD59C6475A2}" type="datetime1">
               <a:rPr lang="it-IT" smtClean="0"/>
-              <a:t>04/09/2022</a:t>
+              <a:t>12/09/2022</a:t>
             </a:fld>
             <a:endParaRPr lang="en-US" dirty="0"/>
           </a:p>
@@ -2056,7 +2492,7 @@
             <a:pPr rtl="0"/>
             <a:fld id="{3A98EE3D-8CD1-4C3F-BD1C-C98C9596463C}" type="slidenum">
               <a:rPr lang="en-US" smtClean="0"/>
-              <a:t>‹N›</a:t>
+              <a:t>‹#›</a:t>
             </a:fld>
             <a:endParaRPr lang="en-US" dirty="0"/>
           </a:p>
@@ -2257,7 +2693,7 @@
             <a:pPr rtl="0"/>
             <a:fld id="{3B71524A-866F-4C8B-9198-338D8655078F}" type="datetime1">
               <a:rPr lang="it-IT" smtClean="0"/>
-              <a:t>04/09/2022</a:t>
+              <a:t>12/09/2022</a:t>
             </a:fld>
             <a:endParaRPr lang="en-US" dirty="0"/>
           </a:p>
@@ -2301,7 +2737,7 @@
             <a:pPr rtl="0"/>
             <a:fld id="{3A98EE3D-8CD1-4C3F-BD1C-C98C9596463C}" type="slidenum">
               <a:rPr lang="en-US" smtClean="0"/>
-              <a:t>‹N›</a:t>
+              <a:t>‹#›</a:t>
             </a:fld>
             <a:endParaRPr lang="en-US" dirty="0"/>
           </a:p>
@@ -2683,7 +3119,7 @@
             <a:pPr rtl="0"/>
             <a:fld id="{5D73350F-3CCB-4660-AA5E-94627F72941C}" type="datetime1">
               <a:rPr lang="it-IT" smtClean="0"/>
-              <a:t>04/09/2022</a:t>
+              <a:t>12/09/2022</a:t>
             </a:fld>
             <a:endParaRPr lang="en-US" dirty="0"/>
           </a:p>
@@ -2727,7 +3163,7 @@
             <a:pPr rtl="0"/>
             <a:fld id="{3A98EE3D-8CD1-4C3F-BD1C-C98C9596463C}" type="slidenum">
               <a:rPr lang="en-US" smtClean="0"/>
-              <a:t>‹N›</a:t>
+              <a:t>‹#›</a:t>
             </a:fld>
             <a:endParaRPr lang="en-US" dirty="0"/>
           </a:p>
@@ -2810,7 +3246,7 @@
             <a:pPr rtl="0"/>
             <a:fld id="{784B2845-5AAE-430E-B5AD-634B4064AB78}" type="datetime1">
               <a:rPr lang="it-IT" smtClean="0"/>
-              <a:t>04/09/2022</a:t>
+              <a:t>12/09/2022</a:t>
             </a:fld>
             <a:endParaRPr lang="en-US" dirty="0"/>
           </a:p>
@@ -2854,7 +3290,7 @@
             <a:pPr rtl="0"/>
             <a:fld id="{3A98EE3D-8CD1-4C3F-BD1C-C98C9596463C}" type="slidenum">
               <a:rPr lang="en-US" smtClean="0"/>
-              <a:t>‹N›</a:t>
+              <a:t>‹#›</a:t>
             </a:fld>
             <a:endParaRPr lang="en-US" dirty="0"/>
           </a:p>
@@ -2908,7 +3344,7 @@
             <a:pPr rtl="0"/>
             <a:fld id="{C12810AC-089E-4C87-838C-17DB0F12AEF8}" type="datetime1">
               <a:rPr lang="it-IT" smtClean="0"/>
-              <a:t>04/09/2022</a:t>
+              <a:t>12/09/2022</a:t>
             </a:fld>
             <a:endParaRPr lang="en-US" dirty="0"/>
           </a:p>
@@ -2952,7 +3388,7 @@
             <a:pPr rtl="0"/>
             <a:fld id="{3A98EE3D-8CD1-4C3F-BD1C-C98C9596463C}" type="slidenum">
               <a:rPr lang="en-US" smtClean="0"/>
-              <a:t>‹N›</a:t>
+              <a:t>‹#›</a:t>
             </a:fld>
             <a:endParaRPr lang="en-US" dirty="0"/>
           </a:p>
@@ -3289,7 +3725,7 @@
             <a:pPr rtl="0"/>
             <a:fld id="{B605A251-81D9-4E3F-94C2-DE665CCFA679}" type="datetime1">
               <a:rPr lang="it-IT" smtClean="0"/>
-              <a:t>04/09/2022</a:t>
+              <a:t>12/09/2022</a:t>
             </a:fld>
             <a:endParaRPr lang="en-US" dirty="0"/>
           </a:p>
@@ -3355,8 +3791,8 @@
             <a:pPr rtl="0"/>
             <a:fld id="{3A98EE3D-8CD1-4C3F-BD1C-C98C9596463C}" type="slidenum">
               <a:rPr lang="en-US" smtClean="0"/>
-              <a:pPr/>
-              <a:t>‹N›</a:t>
+              <a:pPr rtl="0"/>
+              <a:t>‹#›</a:t>
             </a:fld>
             <a:endParaRPr lang="en-US" dirty="0"/>
           </a:p>
@@ -3587,7 +4023,7 @@
             <a:pPr rtl="0"/>
             <a:fld id="{36B8582C-D5A2-4914-8754-8D41DC848328}" type="datetime1">
               <a:rPr lang="it-IT" smtClean="0"/>
-              <a:t>04/09/2022</a:t>
+              <a:t>12/09/2022</a:t>
             </a:fld>
             <a:endParaRPr lang="en-US" dirty="0"/>
           </a:p>
@@ -3631,7 +4067,7 @@
             <a:pPr rtl="0"/>
             <a:fld id="{3A98EE3D-8CD1-4C3F-BD1C-C98C9596463C}" type="slidenum">
               <a:rPr lang="en-US" smtClean="0"/>
-              <a:t>‹N›</a:t>
+              <a:t>‹#›</a:t>
             </a:fld>
             <a:endParaRPr lang="en-US" dirty="0"/>
           </a:p>
@@ -3805,7 +4241,7 @@
             <a:pPr rtl="0"/>
             <a:fld id="{A59F3DA8-DDFD-4326-8007-75CBD1FB589D}" type="datetime1">
               <a:rPr lang="it-IT" smtClean="0"/>
-              <a:t>04/09/2022</a:t>
+              <a:t>12/09/2022</a:t>
             </a:fld>
             <a:endParaRPr lang="en-US" dirty="0"/>
           </a:p>
@@ -3887,7 +4323,7 @@
             <a:pPr rtl="0"/>
             <a:fld id="{3A98EE3D-8CD1-4C3F-BD1C-C98C9596463C}" type="slidenum">
               <a:rPr lang="en-US" smtClean="0"/>
-              <a:t>‹N›</a:t>
+              <a:t>‹#›</a:t>
             </a:fld>
             <a:endParaRPr lang="en-US" dirty="0"/>
           </a:p>
@@ -4720,7 +5156,7 @@
           <p:nvPr/>
         </p:nvPicPr>
         <p:blipFill rotWithShape="1">
-          <a:blip r:embed="rId2" cstate="hqprint">
+          <a:blip r:embed="rId3" cstate="hqprint">
             <a:extLst>
               <a:ext uri="{28A0092B-C50C-407E-A947-70E740481C1C}">
                 <a14:useLocalDpi xmlns:a14="http://schemas.microsoft.com/office/drawing/2010/main" val="0"/>
@@ -4999,7 +5435,9 @@
               </a:spcAft>
             </a:pPr>
             <a:r>
-              <a:rPr lang="it" dirty="0"/>
+              <a:rPr lang="it" dirty="0">
+                <a:latin typeface="+mj-lt"/>
+              </a:rPr>
               <a:t>MATHEMATICS IN MACHINE LEARNING</a:t>
             </a:r>
           </a:p>
@@ -5016,7 +5454,9 @@
               </a:spcAft>
             </a:pPr>
             <a:r>
-              <a:rPr lang="it" dirty="0"/>
+              <a:rPr lang="it" dirty="0">
+                <a:latin typeface="+mj-lt"/>
+              </a:rPr>
               <a:t>LUCA CAMPANA</a:t>
             </a:r>
           </a:p>
@@ -5033,7 +5473,9 @@
               </a:spcAft>
             </a:pPr>
             <a:r>
-              <a:rPr lang="it" dirty="0"/>
+              <a:rPr lang="it" dirty="0">
+                <a:latin typeface="+mj-lt"/>
+              </a:rPr>
               <a:t>A.A. 2021-22</a:t>
             </a:r>
           </a:p>
@@ -5082,7 +5524,7 @@
           <p:nvPr/>
         </p:nvPicPr>
         <p:blipFill>
-          <a:blip r:embed="rId3"/>
+          <a:blip r:embed="rId4"/>
           <a:stretch>
             <a:fillRect/>
           </a:stretch>
@@ -5163,10 +5605,6 @@
               <a:rPr lang="it-IT" dirty="0" err="1"/>
               <a:t>smote</a:t>
             </a:r>
-            <a:r>
-              <a:rPr lang="it-IT" baseline="30000" dirty="0"/>
-              <a:t>[2]</a:t>
-            </a:r>
             <a:endParaRPr lang="it-IT" dirty="0"/>
           </a:p>
         </p:txBody>
@@ -5978,8 +6416,8 @@
           </a:prstGeom>
         </p:spPr>
       </p:pic>
-      <mc:AlternateContent xmlns:mc="http://schemas.openxmlformats.org/markup-compatibility/2006">
-        <mc:Choice xmlns:a14="http://schemas.microsoft.com/office/drawing/2010/main" Requires="a14">
+      <mc:AlternateContent xmlns:mc="http://schemas.openxmlformats.org/markup-compatibility/2006" xmlns:a14="http://schemas.microsoft.com/office/drawing/2010/main">
+        <mc:Choice Requires="a14">
           <p:sp>
             <p:nvSpPr>
               <p:cNvPr id="10" name="CasellaDiTesto 9">
@@ -6568,7 +7006,7 @@
             </p:txBody>
           </p:sp>
         </mc:Choice>
-        <mc:Fallback>
+        <mc:Fallback xmlns="">
           <p:sp>
             <p:nvSpPr>
               <p:cNvPr id="10" name="CasellaDiTesto 9">
@@ -7829,8 +8267,8 @@
         </p:nvSpPr>
         <p:spPr>
           <a:xfrm>
-            <a:off x="3320817" y="4535275"/>
-            <a:ext cx="5550366" cy="1200329"/>
+            <a:off x="2376808" y="4633336"/>
+            <a:ext cx="7438383" cy="1200329"/>
           </a:xfrm>
           <a:prstGeom prst="rect">
             <a:avLst/>
@@ -7935,6 +8373,18 @@
             <a:r>
               <a:rPr lang="it-IT" dirty="0"/>
               <a:t> of </a:t>
+            </a:r>
+            <a:r>
+              <a:rPr lang="it-IT" b="1" dirty="0" err="1">
+                <a:solidFill>
+                  <a:srgbClr val="1CADE4"/>
+                </a:solidFill>
+              </a:rPr>
+              <a:t>interpretability</a:t>
+            </a:r>
+            <a:r>
+              <a:rPr lang="it-IT" dirty="0"/>
+              <a:t> and </a:t>
             </a:r>
             <a:r>
               <a:rPr lang="it-IT" b="1" dirty="0" err="1">
@@ -8702,7 +9152,7 @@
         <p:spPr>
           <a:xfrm>
             <a:off x="432711" y="5854106"/>
-            <a:ext cx="5526641" cy="646331"/>
+            <a:ext cx="10126811" cy="646331"/>
           </a:xfrm>
           <a:prstGeom prst="rect">
             <a:avLst/>
@@ -8769,7 +9219,47 @@
             </a:r>
             <a:r>
               <a:rPr lang="it-IT" dirty="0"/>
-              <a:t>. </a:t>
+              <a:t>. Best </a:t>
+            </a:r>
+            <a:r>
+              <a:rPr lang="it-IT" dirty="0" err="1"/>
+              <a:t>tradeoff</a:t>
+            </a:r>
+            <a:r>
+              <a:rPr lang="it-IT" dirty="0"/>
+              <a:t> </a:t>
+            </a:r>
+            <a:r>
+              <a:rPr lang="it-IT" dirty="0" err="1"/>
+              <a:t>between</a:t>
+            </a:r>
+            <a:r>
+              <a:rPr lang="it-IT" dirty="0"/>
+              <a:t> model </a:t>
+            </a:r>
+            <a:r>
+              <a:rPr lang="it-IT" b="1" dirty="0" err="1">
+                <a:solidFill>
+                  <a:srgbClr val="1CADE4"/>
+                </a:solidFill>
+              </a:rPr>
+              <a:t>variance</a:t>
+            </a:r>
+            <a:r>
+              <a:rPr lang="it-IT" dirty="0"/>
+              <a:t> and </a:t>
+            </a:r>
+            <a:r>
+              <a:rPr lang="it-IT" b="1" dirty="0" err="1">
+                <a:solidFill>
+                  <a:srgbClr val="1CADE4"/>
+                </a:solidFill>
+              </a:rPr>
+              <a:t>bias</a:t>
+            </a:r>
+            <a:r>
+              <a:rPr lang="it-IT" dirty="0"/>
+              <a:t>.</a:t>
             </a:r>
           </a:p>
           <a:p>
@@ -10749,8 +11239,8 @@
           </a:prstGeom>
         </p:spPr>
       </p:pic>
-      <mc:AlternateContent xmlns:mc="http://schemas.openxmlformats.org/markup-compatibility/2006">
-        <mc:Choice xmlns:a14="http://schemas.microsoft.com/office/drawing/2010/main" Requires="a14">
+      <mc:AlternateContent xmlns:mc="http://schemas.openxmlformats.org/markup-compatibility/2006" xmlns:a14="http://schemas.microsoft.com/office/drawing/2010/main">
+        <mc:Choice Requires="a14">
           <p:sp>
             <p:nvSpPr>
               <p:cNvPr id="8" name="CasellaDiTesto 7">
@@ -11707,7 +12197,7 @@
             </p:txBody>
           </p:sp>
         </mc:Choice>
-        <mc:Fallback>
+        <mc:Fallback xmlns="">
           <p:sp>
             <p:nvSpPr>
               <p:cNvPr id="8" name="CasellaDiTesto 7">
@@ -11948,8 +12438,12 @@
               <a:buChar char="•"/>
             </a:pPr>
             <a:r>
+              <a:rPr lang="it-IT" dirty="0" err="1"/>
+              <a:t>istantaneous</a:t>
+            </a:r>
+            <a:r>
               <a:rPr lang="it-IT" dirty="0"/>
-              <a:t>fast </a:t>
+              <a:t> </a:t>
             </a:r>
             <a:r>
               <a:rPr lang="it-IT" b="1" dirty="0" err="1">
@@ -12187,8 +12681,8 @@
           </a:p>
         </p:txBody>
       </p:sp>
-      <mc:AlternateContent xmlns:mc="http://schemas.openxmlformats.org/markup-compatibility/2006">
-        <mc:Choice xmlns:a14="http://schemas.microsoft.com/office/drawing/2010/main" Requires="a14">
+      <mc:AlternateContent xmlns:mc="http://schemas.openxmlformats.org/markup-compatibility/2006" xmlns:a14="http://schemas.microsoft.com/office/drawing/2010/main">
+        <mc:Choice Requires="a14">
           <p:sp>
             <p:nvSpPr>
               <p:cNvPr id="8" name="CasellaDiTesto 7">
@@ -12568,7 +13062,7 @@
             </p:txBody>
           </p:sp>
         </mc:Choice>
-        <mc:Fallback>
+        <mc:Fallback xmlns="">
           <p:sp>
             <p:nvSpPr>
               <p:cNvPr id="8" name="CasellaDiTesto 7">
@@ -12680,7 +13174,7 @@
             </a:pPr>
             <a:r>
               <a:rPr lang="it-IT" dirty="0"/>
-              <a:t>slow </a:t>
+              <a:t>fast </a:t>
             </a:r>
             <a:r>
               <a:rPr lang="it-IT" b="1" dirty="0">
@@ -13342,7 +13836,7 @@
           <p:nvPr>
             <p:extLst>
               <p:ext uri="{D42A27DB-BD31-4B8C-83A1-F6EECF244321}">
-                <p14:modId xmlns:p14="http://schemas.microsoft.com/office/powerpoint/2010/main" val="3259030915"/>
+                <p14:modId xmlns:p14="http://schemas.microsoft.com/office/powerpoint/2010/main" val="1094303361"/>
               </p:ext>
             </p:extLst>
           </p:nvPr>
@@ -13403,7 +13897,7 @@
                       <a:pPr algn="ctr"/>
                       <a:r>
                         <a:rPr lang="it-IT" b="1" dirty="0"/>
-                        <a:t>MODELLO</a:t>
+                        <a:t>MODEL</a:t>
                       </a:r>
                     </a:p>
                   </a:txBody>
@@ -13417,7 +13911,14 @@
                       <a:pPr algn="ctr"/>
                       <a:r>
                         <a:rPr lang="it-IT" b="1" dirty="0"/>
-                        <a:t>IPERPARAMETRI PROVATI</a:t>
+                        <a:t>TRIED</a:t>
+                      </a:r>
+                    </a:p>
+                    <a:p>
+                      <a:pPr algn="ctr"/>
+                      <a:r>
+                        <a:rPr lang="it-IT" b="1" dirty="0"/>
+                        <a:t>HYPERPARAMETERS</a:t>
                       </a:r>
                     </a:p>
                   </a:txBody>
@@ -13431,7 +13932,7 @@
                       <a:pPr algn="ctr"/>
                       <a:r>
                         <a:rPr lang="it-IT" b="1" dirty="0"/>
-                        <a:t>IPERPARAMETRI SCELTI</a:t>
+                        <a:t>FOUND HYPERPARAMETERS</a:t>
                       </a:r>
                     </a:p>
                   </a:txBody>
@@ -14230,7 +14731,7 @@
         <p:spPr>
           <a:xfrm>
             <a:off x="432710" y="1597891"/>
-            <a:ext cx="11178099" cy="1477328"/>
+            <a:ext cx="11178099" cy="1754326"/>
           </a:xfrm>
           <a:prstGeom prst="rect">
             <a:avLst/>
@@ -14249,7 +14750,11 @@
             </a:pPr>
             <a:r>
               <a:rPr lang="en-US" dirty="0"/>
-              <a:t>I-Cheng Yeh. Default of credit card clients Data Set. </a:t>
+              <a:t>I-Cheng Yeh. </a:t>
+            </a:r>
+            <a:r>
+              <a:rPr lang="en-US" i="1" dirty="0"/>
+              <a:t>Default of credit card clients Data Set. </a:t>
             </a:r>
           </a:p>
           <a:p>
@@ -14275,6 +14780,7 @@
               <a:rPr lang="en-US" dirty="0"/>
               <a:t>, 2009.</a:t>
             </a:r>
+            <a:endParaRPr lang="it-IT" dirty="0"/>
           </a:p>
           <a:p>
             <a:pPr marL="342900" indent="-342900">
@@ -14282,88 +14788,71 @@
               <a:buAutoNum type="arabicPeriod" startAt="2"/>
             </a:pPr>
             <a:r>
+              <a:rPr lang="it-IT" dirty="0"/>
+              <a:t>James Gareth, Witten Daniela, </a:t>
+            </a:r>
+            <a:r>
               <a:rPr lang="it-IT" dirty="0" err="1"/>
-              <a:t>Nitesh</a:t>
+              <a:t>Hastie</a:t>
             </a:r>
             <a:r>
               <a:rPr lang="it-IT" dirty="0"/>
-              <a:t> V </a:t>
+              <a:t> Trevor, </a:t>
             </a:r>
             <a:r>
               <a:rPr lang="it-IT" dirty="0" err="1"/>
-              <a:t>Chawla</a:t>
+              <a:t>Tibshirani</a:t>
             </a:r>
             <a:r>
               <a:rPr lang="it-IT" dirty="0"/>
-              <a:t>, Kevin W </a:t>
-            </a:r>
-            <a:r>
-              <a:rPr lang="it-IT" dirty="0" err="1"/>
-              <a:t>Bowyer</a:t>
-            </a:r>
-            <a:r>
-              <a:rPr lang="it-IT" dirty="0"/>
-              <a:t>, Lawrence O Hall, and W Philip </a:t>
-            </a:r>
-            <a:r>
-              <a:rPr lang="it-IT" dirty="0" err="1"/>
-              <a:t>Kegelmeyer</a:t>
-            </a:r>
-            <a:r>
-              <a:rPr lang="it-IT" dirty="0"/>
-              <a:t>. </a:t>
-            </a:r>
-            <a:r>
-              <a:rPr lang="it-IT" i="1" dirty="0" err="1"/>
-              <a:t>Smote</a:t>
-            </a:r>
-            <a:r>
-              <a:rPr lang="it-IT" i="1" dirty="0"/>
-              <a:t>: </a:t>
-            </a:r>
-            <a:r>
-              <a:rPr lang="it-IT" i="1" dirty="0" err="1"/>
-              <a:t>synthetic</a:t>
+              <a:t> Robert.</a:t>
             </a:r>
             <a:r>
               <a:rPr lang="it-IT" i="1" dirty="0"/>
               <a:t> </a:t>
             </a:r>
             <a:r>
-              <a:rPr lang="it-IT" i="1" dirty="0" err="1"/>
-              <a:t>minority</a:t>
-            </a:r>
-            <a:r>
-              <a:rPr lang="it-IT" i="1" dirty="0"/>
-              <a:t> over-sampling technique. </a:t>
-            </a:r>
-            <a:r>
-              <a:rPr lang="it-IT" dirty="0"/>
-              <a:t>Journal of </a:t>
-            </a:r>
-            <a:r>
-              <a:rPr lang="it-IT" dirty="0" err="1"/>
-              <a:t>artificial</a:t>
-            </a:r>
-            <a:r>
-              <a:rPr lang="it-IT" dirty="0"/>
-              <a:t> intelligence </a:t>
-            </a:r>
-            <a:r>
-              <a:rPr lang="it-IT" dirty="0" err="1"/>
-              <a:t>research</a:t>
-            </a:r>
-            <a:r>
-              <a:rPr lang="it-IT" dirty="0"/>
-              <a:t>, 16:321–357, 2002.</a:t>
-            </a:r>
-          </a:p>
-          <a:p>
-            <a:pPr marL="285750" indent="-285750">
-              <a:buFont typeface="Arial" panose="020B0604020202020204" pitchFamily="34" charset="0"/>
-              <a:buChar char="•"/>
+              <a:rPr lang="en-US" i="1" dirty="0"/>
+              <a:t>An Introduction to Statistical Learning with Applications in R. </a:t>
+            </a:r>
+            <a:r>
+              <a:rPr lang="en-US" dirty="0"/>
+              <a:t>James, Witten, Hastie &amp; </a:t>
+            </a:r>
+            <a:r>
+              <a:rPr lang="en-US" dirty="0" err="1"/>
+              <a:t>Tibshirani</a:t>
+            </a:r>
+            <a:r>
+              <a:rPr lang="en-US" dirty="0"/>
+              <a:t>, 2013.</a:t>
+            </a:r>
+          </a:p>
+          <a:p>
+            <a:pPr marL="342900" indent="-342900">
+              <a:buFont typeface="+mj-lt"/>
+              <a:buAutoNum type="arabicPeriod" startAt="2"/>
             </a:pPr>
-            <a:endParaRPr lang="it-IT" dirty="0"/>
+            <a:r>
+              <a:rPr lang="en-US" dirty="0"/>
+              <a:t>Shalev-</a:t>
+            </a:r>
+            <a:r>
+              <a:rPr lang="en-US" dirty="0" err="1"/>
+              <a:t>Shwartz</a:t>
+            </a:r>
+            <a:r>
+              <a:rPr lang="en-US" dirty="0"/>
+              <a:t> Shai, Ben-David Shai</a:t>
+            </a:r>
+            <a:r>
+              <a:rPr lang="en-US" i="1" dirty="0"/>
+              <a:t>. Understanding Machine Learning: From Theory to Algorithms. </a:t>
+            </a:r>
+            <a:r>
+              <a:rPr lang="en-US" dirty="0"/>
+              <a:t>Cambridge University Press, 2014.</a:t>
+            </a:r>
           </a:p>
         </p:txBody>
       </p:sp>
@@ -15519,7 +16008,7 @@
           <p:nvPr/>
         </p:nvPicPr>
         <p:blipFill>
-          <a:blip r:embed="rId2"/>
+          <a:blip r:embed="rId3"/>
           <a:stretch>
             <a:fillRect/>
           </a:stretch>
@@ -15549,7 +16038,7 @@
           <p:nvPr/>
         </p:nvPicPr>
         <p:blipFill>
-          <a:blip r:embed="rId3"/>
+          <a:blip r:embed="rId4"/>
           <a:stretch>
             <a:fillRect/>
           </a:stretch>
@@ -15579,7 +16068,7 @@
           <p:nvPr/>
         </p:nvPicPr>
         <p:blipFill>
-          <a:blip r:embed="rId4"/>
+          <a:blip r:embed="rId5"/>
           <a:stretch>
             <a:fillRect/>
           </a:stretch>
@@ -15609,7 +16098,7 @@
           <p:nvPr/>
         </p:nvPicPr>
         <p:blipFill>
-          <a:blip r:embed="rId5"/>
+          <a:blip r:embed="rId6"/>
           <a:stretch>
             <a:fillRect/>
           </a:stretch>
@@ -15639,7 +16128,7 @@
           <p:nvPr/>
         </p:nvPicPr>
         <p:blipFill>
-          <a:blip r:embed="rId6">
+          <a:blip r:embed="rId7">
             <a:extLst>
               <a:ext uri="{28A0092B-C50C-407E-A947-70E740481C1C}">
                 <a14:useLocalDpi xmlns:a14="http://schemas.microsoft.com/office/drawing/2010/main" val="0"/>
@@ -15914,7 +16403,7 @@
           <p:nvPr/>
         </p:nvPicPr>
         <p:blipFill>
-          <a:blip r:embed="rId2">
+          <a:blip r:embed="rId3">
             <a:extLst>
               <a:ext uri="{28A0092B-C50C-407E-A947-70E740481C1C}">
                 <a14:useLocalDpi xmlns:a14="http://schemas.microsoft.com/office/drawing/2010/main" val="0"/>
@@ -16596,7 +17085,7 @@
                 <a:avLst/>
               </a:prstGeom>
               <a:blipFill>
-                <a:blip r:embed="rId3"/>
+                <a:blip r:embed="rId4"/>
                 <a:stretch>
                   <a:fillRect l="-739" t="-1582" b="-15823"/>
                 </a:stretch>
@@ -18684,7 +19173,7 @@
             <p:spPr>
               <a:xfrm>
                 <a:off x="364615" y="2087296"/>
-                <a:ext cx="10965374" cy="374270"/>
+                <a:ext cx="10978775" cy="374270"/>
               </a:xfrm>
               <a:prstGeom prst="rect">
                 <a:avLst/>
@@ -18754,106 +19243,6 @@
                         <a:latin typeface="Cambria Math" panose="02040503050406030204" pitchFamily="18" charset="0"/>
                       </a:rPr>
                       <m:t>∈</m:t>
-                    </m:r>
-                    <m:sSup>
-                      <m:sSupPr>
-                        <m:ctrlPr>
-                          <a:rPr lang="it-IT" b="0" i="1" smtClean="0">
-                            <a:latin typeface="Cambria Math" panose="02040503050406030204" pitchFamily="18" charset="0"/>
-                            <a:ea typeface="Cambria Math" panose="02040503050406030204" pitchFamily="18" charset="0"/>
-                          </a:rPr>
-                        </m:ctrlPr>
-                      </m:sSupPr>
-                      <m:e>
-                        <m:r>
-                          <a:rPr lang="it-IT" b="0" i="1" smtClean="0">
-                            <a:latin typeface="Cambria Math" panose="02040503050406030204" pitchFamily="18" charset="0"/>
-                            <a:ea typeface="Cambria Math" panose="02040503050406030204" pitchFamily="18" charset="0"/>
-                          </a:rPr>
-                          <m:t>ℝ</m:t>
-                        </m:r>
-                      </m:e>
-                      <m:sup>
-                        <m:r>
-                          <a:rPr lang="it-IT" b="0" i="1" smtClean="0">
-                            <a:latin typeface="Cambria Math" panose="02040503050406030204" pitchFamily="18" charset="0"/>
-                            <a:ea typeface="Cambria Math" panose="02040503050406030204" pitchFamily="18" charset="0"/>
-                          </a:rPr>
-                          <m:t>𝑛</m:t>
-                        </m:r>
-                        <m:r>
-                          <a:rPr lang="it-IT" b="0" i="1" smtClean="0">
-                            <a:latin typeface="Cambria Math" panose="02040503050406030204" pitchFamily="18" charset="0"/>
-                            <a:ea typeface="Cambria Math" panose="02040503050406030204" pitchFamily="18" charset="0"/>
-                          </a:rPr>
-                          <m:t>,</m:t>
-                        </m:r>
-                        <m:r>
-                          <a:rPr lang="it-IT" b="0" i="1" smtClean="0">
-                            <a:latin typeface="Cambria Math" panose="02040503050406030204" pitchFamily="18" charset="0"/>
-                            <a:ea typeface="Cambria Math" panose="02040503050406030204" pitchFamily="18" charset="0"/>
-                          </a:rPr>
-                          <m:t>𝑑</m:t>
-                        </m:r>
-                      </m:sup>
-                    </m:sSup>
-                    <m:r>
-                      <a:rPr lang="it-IT" b="0" i="1" smtClean="0">
-                        <a:latin typeface="Cambria Math" panose="02040503050406030204" pitchFamily="18" charset="0"/>
-                      </a:rPr>
-                      <m:t> </m:t>
-                    </m:r>
-                  </m:oMath>
-                </a14:m>
-                <a:r>
-                  <a:rPr lang="it-IT" dirty="0"/>
-                  <a:t>and the </a:t>
-                </a:r>
-                <a:r>
-                  <a:rPr lang="it-IT" b="1" dirty="0" err="1">
-                    <a:solidFill>
-                      <a:srgbClr val="1CADE4"/>
-                    </a:solidFill>
-                  </a:rPr>
-                  <a:t>recovering</a:t>
-                </a:r>
-                <a:r>
-                  <a:rPr lang="it-IT" b="1" dirty="0">
-                    <a:solidFill>
-                      <a:srgbClr val="1CADE4"/>
-                    </a:solidFill>
-                  </a:rPr>
-                  <a:t> </a:t>
-                </a:r>
-                <a:r>
-                  <a:rPr lang="it-IT" b="1" dirty="0" err="1">
-                    <a:solidFill>
-                      <a:srgbClr val="1CADE4"/>
-                    </a:solidFill>
-                  </a:rPr>
-                  <a:t>matrix</a:t>
-                </a:r>
-                <a:r>
-                  <a:rPr lang="it-IT" b="1" dirty="0">
-                    <a:solidFill>
-                      <a:srgbClr val="1CADE4"/>
-                    </a:solidFill>
-                  </a:rPr>
-                  <a:t> </a:t>
-                </a:r>
-                <a14:m>
-                  <m:oMath xmlns:m="http://schemas.openxmlformats.org/officeDocument/2006/math">
-                    <m:r>
-                      <a:rPr lang="it-IT" b="0" i="1" smtClean="0">
-                        <a:latin typeface="Cambria Math" panose="02040503050406030204" pitchFamily="18" charset="0"/>
-                      </a:rPr>
-                      <m:t>𝑈</m:t>
-                    </m:r>
-                    <m:r>
-                      <a:rPr lang="it-IT" b="0" i="1" smtClean="0">
-                        <a:latin typeface="Cambria Math" panose="02040503050406030204" pitchFamily="18" charset="0"/>
-                      </a:rPr>
-                      <m:t>= </m:t>
                     </m:r>
                     <m:sSup>
                       <m:sSupPr>
@@ -18897,6 +19286,113 @@
                         </m:r>
                       </m:sup>
                     </m:sSup>
+                    <m:r>
+                      <a:rPr lang="it-IT" b="0" i="1" smtClean="0">
+                        <a:latin typeface="Cambria Math" panose="02040503050406030204" pitchFamily="18" charset="0"/>
+                      </a:rPr>
+                      <m:t> </m:t>
+                    </m:r>
+                  </m:oMath>
+                </a14:m>
+                <a:r>
+                  <a:rPr lang="it-IT" dirty="0"/>
+                  <a:t>and the </a:t>
+                </a:r>
+                <a:r>
+                  <a:rPr lang="it-IT" b="1" dirty="0" err="1">
+                    <a:solidFill>
+                      <a:srgbClr val="1CADE4"/>
+                    </a:solidFill>
+                  </a:rPr>
+                  <a:t>recovering</a:t>
+                </a:r>
+                <a:r>
+                  <a:rPr lang="it-IT" b="1" dirty="0">
+                    <a:solidFill>
+                      <a:srgbClr val="1CADE4"/>
+                    </a:solidFill>
+                  </a:rPr>
+                  <a:t> </a:t>
+                </a:r>
+                <a:r>
+                  <a:rPr lang="it-IT" b="1" dirty="0" err="1">
+                    <a:solidFill>
+                      <a:srgbClr val="1CADE4"/>
+                    </a:solidFill>
+                  </a:rPr>
+                  <a:t>matrix</a:t>
+                </a:r>
+                <a:r>
+                  <a:rPr lang="it-IT" b="1" dirty="0">
+                    <a:solidFill>
+                      <a:srgbClr val="1CADE4"/>
+                    </a:solidFill>
+                  </a:rPr>
+                  <a:t> </a:t>
+                </a:r>
+                <a14:m>
+                  <m:oMath xmlns:m="http://schemas.openxmlformats.org/officeDocument/2006/math">
+                    <m:r>
+                      <a:rPr lang="it-IT" b="0" i="1" smtClean="0">
+                        <a:latin typeface="Cambria Math" panose="02040503050406030204" pitchFamily="18" charset="0"/>
+                      </a:rPr>
+                      <m:t>𝑈</m:t>
+                    </m:r>
+                    <m:r>
+                      <a:rPr lang="it-IT" b="0" i="1" smtClean="0">
+                        <a:latin typeface="Cambria Math" panose="02040503050406030204" pitchFamily="18" charset="0"/>
+                      </a:rPr>
+                      <m:t> ∈</m:t>
+                    </m:r>
+                    <m:sSup>
+                      <m:sSupPr>
+                        <m:ctrlPr>
+                          <a:rPr lang="it-IT" b="0" i="1" smtClean="0">
+                            <a:latin typeface="Cambria Math" panose="02040503050406030204" pitchFamily="18" charset="0"/>
+                            <a:ea typeface="Cambria Math" panose="02040503050406030204" pitchFamily="18" charset="0"/>
+                          </a:rPr>
+                        </m:ctrlPr>
+                      </m:sSupPr>
+                      <m:e>
+                        <m:r>
+                          <a:rPr lang="it-IT" b="0" i="1" smtClean="0">
+                            <a:latin typeface="Cambria Math" panose="02040503050406030204" pitchFamily="18" charset="0"/>
+                            <a:ea typeface="Cambria Math" panose="02040503050406030204" pitchFamily="18" charset="0"/>
+                          </a:rPr>
+                          <m:t>  </m:t>
+                        </m:r>
+                        <m:r>
+                          <a:rPr lang="it-IT" b="0" i="1" smtClean="0">
+                            <a:latin typeface="Cambria Math" panose="02040503050406030204" pitchFamily="18" charset="0"/>
+                            <a:ea typeface="Cambria Math" panose="02040503050406030204" pitchFamily="18" charset="0"/>
+                          </a:rPr>
+                          <m:t>ℝ</m:t>
+                        </m:r>
+                      </m:e>
+                      <m:sup>
+                        <m:r>
+                          <a:rPr lang="it-IT" b="0" i="1" smtClean="0">
+                            <a:latin typeface="Cambria Math" panose="02040503050406030204" pitchFamily="18" charset="0"/>
+                            <a:ea typeface="Cambria Math" panose="02040503050406030204" pitchFamily="18" charset="0"/>
+                          </a:rPr>
+                          <m:t>𝑛</m:t>
+                        </m:r>
+                        <m:r>
+                          <a:rPr lang="it-IT" b="0" i="1" smtClean="0">
+                            <a:latin typeface="Cambria Math" panose="02040503050406030204" pitchFamily="18" charset="0"/>
+                            <a:ea typeface="Cambria Math" panose="02040503050406030204" pitchFamily="18" charset="0"/>
+                          </a:rPr>
+                          <m:t>,</m:t>
+                        </m:r>
+                        <m:r>
+                          <a:rPr lang="it-IT" b="0" i="1" smtClean="0">
+                            <a:latin typeface="Cambria Math" panose="02040503050406030204" pitchFamily="18" charset="0"/>
+                            <a:ea typeface="Cambria Math" panose="02040503050406030204" pitchFamily="18" charset="0"/>
+                          </a:rPr>
+                          <m:t>𝑑</m:t>
+                        </m:r>
+                      </m:sup>
+                    </m:sSup>
                   </m:oMath>
                 </a14:m>
                 <a:r>
@@ -18985,7 +19481,7 @@
             <p:spPr>
               <a:xfrm>
                 <a:off x="364615" y="2087296"/>
-                <a:ext cx="10965374" cy="374270"/>
+                <a:ext cx="10978775" cy="374270"/>
               </a:xfrm>
               <a:prstGeom prst="rect">
                 <a:avLst/>
@@ -19627,8 +20123,8 @@
           </p:sp>
         </mc:Fallback>
       </mc:AlternateContent>
-      <mc:AlternateContent xmlns:mc="http://schemas.openxmlformats.org/markup-compatibility/2006" xmlns:a14="http://schemas.microsoft.com/office/drawing/2010/main">
-        <mc:Choice Requires="a14">
+      <mc:AlternateContent xmlns:mc="http://schemas.openxmlformats.org/markup-compatibility/2006">
+        <mc:Choice xmlns:a14="http://schemas.microsoft.com/office/drawing/2010/main" Requires="a14">
           <p:sp>
             <p:nvSpPr>
               <p:cNvPr id="32" name="CasellaDiTesto 31">
@@ -19644,7 +20140,7 @@
             <p:spPr>
               <a:xfrm>
                 <a:off x="358772" y="5657540"/>
-                <a:ext cx="10971530" cy="369332"/>
+                <a:ext cx="11178317" cy="369332"/>
               </a:xfrm>
               <a:prstGeom prst="rect">
                 <a:avLst/>
@@ -19688,7 +20184,7 @@
                         </a:solidFill>
                         <a:latin typeface="Cambria Math" panose="02040503050406030204" pitchFamily="18" charset="0"/>
                       </a:rPr>
-                      <m:t>𝒏</m:t>
+                      <m:t>𝒅</m:t>
                     </m:r>
                     <m:r>
                       <a:rPr lang="it-IT" b="1" i="1" smtClean="0">
@@ -19803,7 +20299,7 @@
             </p:txBody>
           </p:sp>
         </mc:Choice>
-        <mc:Fallback xmlns="">
+        <mc:Fallback>
           <p:sp>
             <p:nvSpPr>
               <p:cNvPr id="32" name="CasellaDiTesto 31">
@@ -19821,7 +20317,7 @@
             <p:spPr>
               <a:xfrm>
                 <a:off x="358772" y="5657540"/>
-                <a:ext cx="10971530" cy="369332"/>
+                <a:ext cx="11178317" cy="369332"/>
               </a:xfrm>
               <a:prstGeom prst="rect">
                 <a:avLst/>
@@ -19829,7 +20325,7 @@
               <a:blipFill>
                 <a:blip r:embed="rId6"/>
                 <a:stretch>
-                  <a:fillRect t="-8197" r="-222" b="-24590"/>
+                  <a:fillRect t="-8197" b="-24590"/>
                 </a:stretch>
               </a:blipFill>
             </p:spPr>
@@ -20073,8 +20569,61 @@
           </a:prstGeom>
         </p:spPr>
       </p:pic>
-      <mc:AlternateContent xmlns:mc="http://schemas.openxmlformats.org/markup-compatibility/2006" xmlns:a14="http://schemas.microsoft.com/office/drawing/2010/main">
-        <mc:Choice Requires="a14">
+      <p:sp>
+        <p:nvSpPr>
+          <p:cNvPr id="10" name="Rettangolo 8">
+            <a:extLst>
+              <a:ext uri="{FF2B5EF4-FFF2-40B4-BE49-F238E27FC236}">
+                <a16:creationId xmlns:a16="http://schemas.microsoft.com/office/drawing/2014/main" id="{B7ECA8A0-427B-4F6F-B51A-12ABA7A58400}"/>
+              </a:ext>
+            </a:extLst>
+          </p:cNvPr>
+          <p:cNvSpPr/>
+          <p:nvPr/>
+        </p:nvSpPr>
+        <p:spPr>
+          <a:xfrm>
+            <a:off x="2055195" y="2529800"/>
+            <a:ext cx="773846" cy="359229"/>
+          </a:xfrm>
+          <a:prstGeom prst="rect">
+            <a:avLst/>
+          </a:prstGeom>
+          <a:solidFill>
+            <a:schemeClr val="accent1">
+              <a:lumMod val="20000"/>
+              <a:lumOff val="80000"/>
+            </a:schemeClr>
+          </a:solidFill>
+          <a:ln>
+            <a:noFill/>
+          </a:ln>
+        </p:spPr>
+        <p:style>
+          <a:lnRef idx="2">
+            <a:schemeClr val="accent6"/>
+          </a:lnRef>
+          <a:fillRef idx="1">
+            <a:schemeClr val="lt1"/>
+          </a:fillRef>
+          <a:effectRef idx="0">
+            <a:schemeClr val="accent6"/>
+          </a:effectRef>
+          <a:fontRef idx="minor">
+            <a:schemeClr val="dk1"/>
+          </a:fontRef>
+        </p:style>
+        <p:txBody>
+          <a:bodyPr rtlCol="0" anchor="ctr"/>
+          <a:lstStyle/>
+          <a:p>
+            <a:pPr algn="ctr"/>
+            <a:endParaRPr lang="it-IT"/>
+          </a:p>
+        </p:txBody>
+      </p:sp>
+      <mc:AlternateContent xmlns:mc="http://schemas.openxmlformats.org/markup-compatibility/2006">
+        <mc:Choice xmlns:a14="http://schemas.microsoft.com/office/drawing/2010/main" Requires="a14">
           <p:sp>
             <p:nvSpPr>
               <p:cNvPr id="9" name="CasellaDiTesto 8">
@@ -20122,10 +20671,13 @@
                 <a14:m>
                   <m:oMath xmlns:m="http://schemas.openxmlformats.org/officeDocument/2006/math">
                     <m:r>
-                      <a:rPr lang="it-IT" b="0" i="1" smtClean="0">
+                      <m:rPr>
+                        <m:sty m:val="p"/>
+                      </m:rPr>
+                      <a:rPr lang="it-IT" b="0" i="0" smtClean="0">
                         <a:latin typeface="Cambria Math" panose="02040503050406030204" pitchFamily="18" charset="0"/>
                       </a:rPr>
-                      <m:t>𝑑</m:t>
+                      <m:t>n</m:t>
                     </m:r>
                     <m:r>
                       <a:rPr lang="it-IT" b="0" i="1" smtClean="0">
@@ -20420,7 +20972,7 @@
             </p:txBody>
           </p:sp>
         </mc:Choice>
-        <mc:Fallback xmlns="">
+        <mc:Fallback>
           <p:sp>
             <p:nvSpPr>
               <p:cNvPr id="9" name="CasellaDiTesto 8">
